--- a/Cardiff_SatRday.pptx
+++ b/Cardiff_SatRday.pptx
@@ -118,6 +118,11 @@
       </a:defRPr>
     </a:lvl9pPr>
   </p:defaultTextStyle>
+  <p:extLst>
+    <p:ext uri="{EFAFB233-063F-42B5-8137-9DF3F51BA10A}">
+      <p15:sldGuideLst xmlns:p15="http://schemas.microsoft.com/office/powerpoint/2012/main"/>
+    </p:ext>
+  </p:extLst>
 </p:presentation>
 </file>
 
@@ -203,7 +208,7 @@
           <a:p>
             <a:fld id="{08FB4E20-709E-674F-9A48-8851BBFA1F55}" type="datetimeFigureOut">
               <a:rPr lang="en-US" smtClean="0"/>
-              <a:t>6/20/18</a:t>
+              <a:t>6/23/18</a:t>
             </a:fld>
             <a:endParaRPr lang="en-US"/>
           </a:p>
@@ -836,37 +841,625 @@
             </a:r>
             <a:r>
               <a:rPr lang="en-US" baseline="0" dirty="0" smtClean="0"/>
-              <a:t> they are most likely to live in flats or terraces, and and less likely to own their homes. The literature also states that tenure is positively correlated with consumption, the reasons for this being that as a landlord of a privately rented property, there is little to no incentive to put in place energy efficiency measures as the utility bills are typically covered by the tenant and they see little return on their investment. The same can of course be said for the tenant themselves </a:t>
-            </a:r>
-            <a:r>
-              <a:rPr lang="mr-IN" baseline="0" dirty="0" smtClean="0"/>
-              <a:t>–</a:t>
+              <a:t> </a:t>
             </a:r>
             <a:r>
               <a:rPr lang="en-US" baseline="0" dirty="0" smtClean="0"/>
-              <a:t> they won’t want to invest in long term solutions to a house they don’t own as they’re unlikely to reap the full benefit. </a:t>
+              <a:t>of 7b the pen profile states that </a:t>
+            </a:r>
+            <a:r>
+              <a:rPr lang="en-GB" sz="1200" kern="1200" dirty="0" smtClean="0">
+                <a:solidFill>
+                  <a:schemeClr val="tx1"/>
+                </a:solidFill>
+                <a:effectLst/>
+                <a:latin typeface="+mn-lt"/>
+                <a:ea typeface="+mn-ea"/>
+                <a:cs typeface="+mn-cs"/>
+              </a:rPr>
+              <a:t>“This group is characterised by people living in flats, with a higher proportion living in socially rented accommodation. </a:t>
+            </a:r>
+          </a:p>
+          <a:p>
+            <a:endParaRPr lang="en-GB" sz="1200" kern="1200" dirty="0" smtClean="0">
+              <a:solidFill>
+                <a:schemeClr val="tx1"/>
+              </a:solidFill>
+              <a:effectLst/>
+              <a:latin typeface="+mn-lt"/>
+              <a:ea typeface="+mn-ea"/>
+              <a:cs typeface="+mn-cs"/>
+            </a:endParaRPr>
+          </a:p>
+          <a:p>
+            <a:r>
+              <a:rPr lang="en-GB" sz="1200" kern="1200" dirty="0" smtClean="0">
+                <a:solidFill>
+                  <a:schemeClr val="tx1"/>
+                </a:solidFill>
+                <a:effectLst/>
+                <a:latin typeface="+mn-lt"/>
+                <a:ea typeface="+mn-ea"/>
+                <a:cs typeface="+mn-cs"/>
+              </a:rPr>
+              <a:t>This could be for several </a:t>
+            </a:r>
+            <a:r>
+              <a:rPr lang="en-GB" sz="1200" kern="1200" dirty="0" err="1" smtClean="0">
+                <a:solidFill>
+                  <a:schemeClr val="tx1"/>
+                </a:solidFill>
+                <a:effectLst/>
+                <a:latin typeface="+mn-lt"/>
+                <a:ea typeface="+mn-ea"/>
+                <a:cs typeface="+mn-cs"/>
+              </a:rPr>
+              <a:t>resaons</a:t>
+            </a:r>
+            <a:r>
+              <a:rPr lang="en-GB" sz="1200" kern="1200" dirty="0" smtClean="0">
+                <a:solidFill>
+                  <a:schemeClr val="tx1"/>
+                </a:solidFill>
+                <a:effectLst/>
+                <a:latin typeface="+mn-lt"/>
+                <a:ea typeface="+mn-ea"/>
+                <a:cs typeface="+mn-cs"/>
+              </a:rPr>
+              <a:t>. As they are most likely to be living in flats they have overall less space to heat and lights, there are likely to be fewer people living in them to consume energy but also they are considered constrained, and fewer households have two or more cars – an indication that they are deprived – and are therefore likely to be frugal and less wasteful with their energy for economic reasons.</a:t>
+            </a:r>
+            <a:r>
+              <a:rPr lang="en-GB" dirty="0" smtClean="0">
+                <a:effectLst/>
+              </a:rPr>
+              <a:t> </a:t>
+            </a:r>
+          </a:p>
+          <a:p>
+            <a:endParaRPr lang="en-GB" baseline="0" dirty="0" smtClean="0">
+              <a:effectLst/>
+            </a:endParaRPr>
+          </a:p>
+          <a:p>
+            <a:r>
+              <a:rPr lang="en-GB" baseline="0" dirty="0" smtClean="0">
+                <a:effectLst/>
+              </a:rPr>
+              <a:t>There is also literature to suggest that social housing is usually some of the most energy efficient in the UK housing stock, as the upkeep is undertaken by local authorities, where making savings and providing quality housing are both important. </a:t>
             </a:r>
           </a:p>
           <a:p>
             <a:endParaRPr lang="en-US" baseline="0" dirty="0" smtClean="0"/>
           </a:p>
           <a:p>
+            <a:pPr marL="0" marR="0" indent="0" algn="l" defTabSz="914400" rtl="0" eaLnBrk="1" fontAlgn="auto" latinLnBrk="0" hangingPunct="1">
+              <a:lnSpc>
+                <a:spcPct val="100000"/>
+              </a:lnSpc>
+              <a:spcBef>
+                <a:spcPts val="0"/>
+              </a:spcBef>
+              <a:spcAft>
+                <a:spcPts val="0"/>
+              </a:spcAft>
+              <a:buClrTx/>
+              <a:buSzTx/>
+              <a:buFontTx/>
+              <a:buNone/>
+              <a:tabLst/>
+              <a:defRPr/>
+            </a:pPr>
             <a:r>
               <a:rPr lang="en-US" dirty="0" smtClean="0"/>
-              <a:t>Secondly</a:t>
+              <a:t>Finally</a:t>
             </a:r>
             <a:r>
               <a:rPr lang="en-US" baseline="0" dirty="0" smtClean="0"/>
-              <a:t> for some in depth analysis I did a linear regression model to understand the relationship between Townsend score, housing type and energy consumption, with significant results. The regression model showed that larger accommodation types use statistically more energy than smaller terrace houses and flats. It also shows that as a households </a:t>
-            </a:r>
-            <a:r>
-              <a:rPr lang="en-US" baseline="0" dirty="0" err="1" smtClean="0"/>
+              <a:t> </a:t>
+            </a:r>
+            <a:r>
+              <a:rPr lang="en-US" baseline="0" dirty="0" smtClean="0"/>
+              <a:t>for some in depth analysis I </a:t>
+            </a:r>
+            <a:r>
+              <a:rPr lang="en-US" baseline="0" dirty="0" smtClean="0"/>
+              <a:t>modelled </a:t>
+            </a:r>
+            <a:r>
+              <a:rPr lang="en-US" baseline="0" dirty="0" smtClean="0"/>
+              <a:t>the relationship between Townsend score, housing type and energy </a:t>
+            </a:r>
+            <a:r>
+              <a:rPr lang="en-US" baseline="0" dirty="0" smtClean="0"/>
+              <a:t>consumption. </a:t>
+            </a:r>
+          </a:p>
+          <a:p>
+            <a:pPr marL="0" marR="0" indent="0" algn="l" defTabSz="914400" rtl="0" eaLnBrk="1" fontAlgn="auto" latinLnBrk="0" hangingPunct="1">
+              <a:lnSpc>
+                <a:spcPct val="100000"/>
+              </a:lnSpc>
+              <a:spcBef>
+                <a:spcPts val="0"/>
+              </a:spcBef>
+              <a:spcAft>
+                <a:spcPts val="0"/>
+              </a:spcAft>
+              <a:buClrTx/>
+              <a:buSzTx/>
+              <a:buFontTx/>
+              <a:buNone/>
+              <a:tabLst/>
+              <a:defRPr/>
+            </a:pPr>
+            <a:endParaRPr lang="en-US" sz="1200" kern="1200" baseline="0" dirty="0" smtClean="0">
+              <a:solidFill>
+                <a:schemeClr val="tx1"/>
+              </a:solidFill>
+              <a:effectLst/>
+              <a:latin typeface="+mn-lt"/>
+              <a:ea typeface="+mn-ea"/>
+              <a:cs typeface="+mn-cs"/>
+            </a:endParaRPr>
+          </a:p>
+          <a:p>
+            <a:pPr marL="0" marR="0" indent="0" algn="l" defTabSz="914400" rtl="0" eaLnBrk="1" fontAlgn="auto" latinLnBrk="0" hangingPunct="1">
+              <a:lnSpc>
+                <a:spcPct val="100000"/>
+              </a:lnSpc>
+              <a:spcBef>
+                <a:spcPts val="0"/>
+              </a:spcBef>
+              <a:spcAft>
+                <a:spcPts val="0"/>
+              </a:spcAft>
+              <a:buClrTx/>
+              <a:buSzTx/>
+              <a:buFontTx/>
+              <a:buNone/>
+              <a:tabLst/>
+              <a:defRPr/>
+            </a:pPr>
+            <a:r>
+              <a:rPr lang="en-GB" sz="1200" kern="1200" dirty="0" smtClean="0">
+                <a:solidFill>
+                  <a:schemeClr val="tx1"/>
+                </a:solidFill>
+                <a:effectLst/>
+                <a:latin typeface="+mn-lt"/>
+                <a:ea typeface="+mn-ea"/>
+                <a:cs typeface="+mn-cs"/>
+              </a:rPr>
+              <a:t>A </a:t>
+            </a:r>
+            <a:r>
+              <a:rPr lang="en-GB" sz="1200" kern="1200" dirty="0" err="1" smtClean="0">
+                <a:solidFill>
+                  <a:schemeClr val="tx1"/>
+                </a:solidFill>
+                <a:effectLst/>
+                <a:latin typeface="+mn-lt"/>
+                <a:ea typeface="+mn-ea"/>
+                <a:cs typeface="+mn-cs"/>
+              </a:rPr>
               <a:t>townsend</a:t>
             </a:r>
             <a:r>
-              <a:rPr lang="en-US" baseline="0" dirty="0" smtClean="0"/>
-              <a:t> score and therefore relative deprivation levels rise, energy consumption decreases. </a:t>
-            </a:r>
+              <a:rPr lang="en-GB" sz="1200" kern="1200" dirty="0" smtClean="0">
+                <a:solidFill>
+                  <a:schemeClr val="tx1"/>
+                </a:solidFill>
+                <a:effectLst/>
+                <a:latin typeface="+mn-lt"/>
+                <a:ea typeface="+mn-ea"/>
+                <a:cs typeface="+mn-cs"/>
+              </a:rPr>
+              <a:t> score - a measure of relative deprivation - and is made up of four census variables and is</a:t>
+            </a:r>
+            <a:r>
+              <a:rPr lang="en-GB" sz="1200" kern="1200" baseline="0" dirty="0" smtClean="0">
+                <a:solidFill>
+                  <a:schemeClr val="tx1"/>
+                </a:solidFill>
+                <a:effectLst/>
+                <a:latin typeface="+mn-lt"/>
+                <a:ea typeface="+mn-ea"/>
+                <a:cs typeface="+mn-cs"/>
+              </a:rPr>
+              <a:t> useful </a:t>
+            </a:r>
+            <a:r>
+              <a:rPr lang="en-GB" sz="1200" kern="1200" dirty="0" smtClean="0">
+                <a:solidFill>
+                  <a:schemeClr val="tx1"/>
+                </a:solidFill>
+                <a:effectLst/>
+                <a:latin typeface="+mn-lt"/>
+                <a:ea typeface="+mn-ea"/>
+                <a:cs typeface="+mn-cs"/>
+              </a:rPr>
+              <a:t>for understanding deprivation as it adheres most closely to the concepts of material disadvantage.</a:t>
+            </a:r>
+            <a:r>
+              <a:rPr lang="en-GB" sz="1200" kern="1200" baseline="0" dirty="0" smtClean="0">
+                <a:solidFill>
+                  <a:schemeClr val="tx1"/>
+                </a:solidFill>
+                <a:effectLst/>
+                <a:latin typeface="+mn-lt"/>
+                <a:ea typeface="+mn-ea"/>
+                <a:cs typeface="+mn-cs"/>
+              </a:rPr>
+              <a:t> </a:t>
+            </a:r>
+            <a:r>
+              <a:rPr lang="en-GB" sz="1200" kern="1200" dirty="0" smtClean="0">
+                <a:solidFill>
+                  <a:schemeClr val="tx1"/>
+                </a:solidFill>
+                <a:effectLst/>
+                <a:latin typeface="+mn-lt"/>
+                <a:ea typeface="+mn-ea"/>
+                <a:cs typeface="+mn-cs"/>
+              </a:rPr>
+              <a:t>The four index variables; percentage of homes with access to a car or van, percentage of homes with more than 1 person per room, percentage of homes not owner occupied and percentage of people economically active yet unemployed; are </a:t>
+            </a:r>
+            <a:r>
+              <a:rPr lang="en-GB" sz="1200" kern="1200" dirty="0" err="1" smtClean="0">
+                <a:solidFill>
+                  <a:schemeClr val="tx1"/>
+                </a:solidFill>
+                <a:effectLst/>
+                <a:latin typeface="+mn-lt"/>
+                <a:ea typeface="+mn-ea"/>
+                <a:cs typeface="+mn-cs"/>
+              </a:rPr>
+              <a:t>totaled</a:t>
+            </a:r>
+            <a:r>
+              <a:rPr lang="en-GB" sz="1200" kern="1200" dirty="0" smtClean="0">
+                <a:solidFill>
+                  <a:schemeClr val="tx1"/>
+                </a:solidFill>
+                <a:effectLst/>
+                <a:latin typeface="+mn-lt"/>
+                <a:ea typeface="+mn-ea"/>
+                <a:cs typeface="+mn-cs"/>
+              </a:rPr>
+              <a:t> and converted to a z-score (Townsend 1987). Because this was to be used in tandem with the energy data, an original </a:t>
+            </a:r>
+            <a:r>
+              <a:rPr lang="en-GB" sz="1200" kern="1200" dirty="0" err="1" smtClean="0">
+                <a:solidFill>
+                  <a:schemeClr val="tx1"/>
+                </a:solidFill>
+                <a:effectLst/>
+                <a:latin typeface="+mn-lt"/>
+                <a:ea typeface="+mn-ea"/>
+                <a:cs typeface="+mn-cs"/>
+              </a:rPr>
+              <a:t>townsend</a:t>
+            </a:r>
+            <a:r>
+              <a:rPr lang="en-GB" sz="1200" kern="1200" dirty="0" smtClean="0">
+                <a:solidFill>
+                  <a:schemeClr val="tx1"/>
+                </a:solidFill>
+                <a:effectLst/>
+                <a:latin typeface="+mn-lt"/>
+                <a:ea typeface="+mn-ea"/>
+                <a:cs typeface="+mn-cs"/>
+              </a:rPr>
+              <a:t> score was calculated from the reweighted census variables at the PCS level.</a:t>
+            </a:r>
+          </a:p>
+          <a:p>
+            <a:pPr marL="0" marR="0" indent="0" algn="l" defTabSz="914400" rtl="0" eaLnBrk="1" fontAlgn="auto" latinLnBrk="0" hangingPunct="1">
+              <a:lnSpc>
+                <a:spcPct val="100000"/>
+              </a:lnSpc>
+              <a:spcBef>
+                <a:spcPts val="0"/>
+              </a:spcBef>
+              <a:spcAft>
+                <a:spcPts val="0"/>
+              </a:spcAft>
+              <a:buClrTx/>
+              <a:buSzTx/>
+              <a:buFontTx/>
+              <a:buNone/>
+              <a:tabLst/>
+              <a:defRPr/>
+            </a:pPr>
+            <a:endParaRPr lang="en-GB" sz="1200" kern="1200" dirty="0" smtClean="0">
+              <a:solidFill>
+                <a:schemeClr val="tx1"/>
+              </a:solidFill>
+              <a:effectLst/>
+              <a:latin typeface="+mn-lt"/>
+              <a:ea typeface="+mn-ea"/>
+              <a:cs typeface="+mn-cs"/>
+            </a:endParaRPr>
+          </a:p>
+          <a:p>
+            <a:r>
+              <a:rPr lang="en-GB" sz="1200" kern="1200" dirty="0" smtClean="0">
+                <a:solidFill>
+                  <a:schemeClr val="tx1"/>
+                </a:solidFill>
+                <a:effectLst/>
+                <a:latin typeface="+mn-lt"/>
+                <a:ea typeface="+mn-ea"/>
+                <a:cs typeface="+mn-cs"/>
+              </a:rPr>
+              <a:t>The model attempts to explain the energy consumption by levels of deprivation. It included the proportion of </a:t>
+            </a:r>
+            <a:r>
+              <a:rPr lang="en-GB" sz="1200" kern="1200" dirty="0" err="1" smtClean="0">
+                <a:solidFill>
+                  <a:schemeClr val="tx1"/>
+                </a:solidFill>
+                <a:effectLst/>
+                <a:latin typeface="+mn-lt"/>
+                <a:ea typeface="+mn-ea"/>
+                <a:cs typeface="+mn-cs"/>
+              </a:rPr>
+              <a:t>accomodation</a:t>
+            </a:r>
+            <a:r>
+              <a:rPr lang="en-GB" sz="1200" kern="1200" dirty="0" smtClean="0">
+                <a:solidFill>
+                  <a:schemeClr val="tx1"/>
+                </a:solidFill>
+                <a:effectLst/>
+                <a:latin typeface="+mn-lt"/>
+                <a:ea typeface="+mn-ea"/>
+                <a:cs typeface="+mn-cs"/>
+              </a:rPr>
+              <a:t> types in each PCS; detached, semi-detached, terrace, flat or shared </a:t>
+            </a:r>
+            <a:r>
+              <a:rPr lang="en-GB" sz="1200" kern="1200" dirty="0" err="1" smtClean="0">
+                <a:solidFill>
+                  <a:schemeClr val="tx1"/>
+                </a:solidFill>
+                <a:effectLst/>
+                <a:latin typeface="+mn-lt"/>
+                <a:ea typeface="+mn-ea"/>
+                <a:cs typeface="+mn-cs"/>
+              </a:rPr>
+              <a:t>accomodation</a:t>
+            </a:r>
+            <a:r>
+              <a:rPr lang="en-GB" sz="1200" kern="1200" dirty="0" smtClean="0">
+                <a:solidFill>
+                  <a:schemeClr val="tx1"/>
+                </a:solidFill>
+                <a:effectLst/>
+                <a:latin typeface="+mn-lt"/>
+                <a:ea typeface="+mn-ea"/>
+                <a:cs typeface="+mn-cs"/>
+              </a:rPr>
+              <a:t>. </a:t>
+            </a:r>
+          </a:p>
+          <a:p>
+            <a:endParaRPr lang="en-GB" sz="1200" kern="1200" dirty="0" smtClean="0">
+              <a:solidFill>
+                <a:schemeClr val="tx1"/>
+              </a:solidFill>
+              <a:effectLst/>
+              <a:latin typeface="+mn-lt"/>
+              <a:ea typeface="+mn-ea"/>
+              <a:cs typeface="+mn-cs"/>
+            </a:endParaRPr>
+          </a:p>
+          <a:p>
+            <a:r>
+              <a:rPr lang="en-GB" sz="1200" kern="1200" dirty="0" smtClean="0">
+                <a:solidFill>
+                  <a:schemeClr val="tx1"/>
+                </a:solidFill>
+                <a:effectLst/>
+                <a:latin typeface="+mn-lt"/>
+                <a:ea typeface="+mn-ea"/>
+                <a:cs typeface="+mn-cs"/>
+              </a:rPr>
+              <a:t>The</a:t>
+            </a:r>
+            <a:r>
+              <a:rPr lang="en-GB" sz="1200" kern="1200" baseline="0" dirty="0" smtClean="0">
+                <a:solidFill>
+                  <a:schemeClr val="tx1"/>
+                </a:solidFill>
+                <a:effectLst/>
+                <a:latin typeface="+mn-lt"/>
+                <a:ea typeface="+mn-ea"/>
+                <a:cs typeface="+mn-cs"/>
+              </a:rPr>
+              <a:t> </a:t>
+            </a:r>
+            <a:r>
+              <a:rPr lang="en-GB" sz="1200" kern="1200" dirty="0" smtClean="0">
+                <a:solidFill>
+                  <a:schemeClr val="tx1"/>
+                </a:solidFill>
+                <a:effectLst/>
+                <a:latin typeface="+mn-lt"/>
+                <a:ea typeface="+mn-ea"/>
+                <a:cs typeface="+mn-cs"/>
+              </a:rPr>
+              <a:t>energy consumption model was</a:t>
+            </a:r>
+            <a:r>
+              <a:rPr lang="en-GB" sz="1200" kern="1200" baseline="0" dirty="0" smtClean="0">
+                <a:solidFill>
+                  <a:schemeClr val="tx1"/>
+                </a:solidFill>
+                <a:effectLst/>
+                <a:latin typeface="+mn-lt"/>
+                <a:ea typeface="+mn-ea"/>
+                <a:cs typeface="+mn-cs"/>
+              </a:rPr>
+              <a:t> significant to 0.05, </a:t>
+            </a:r>
+            <a:r>
+              <a:rPr lang="en-GB" sz="1200" kern="1200" dirty="0" smtClean="0">
+                <a:solidFill>
+                  <a:schemeClr val="tx1"/>
+                </a:solidFill>
+                <a:effectLst/>
+                <a:latin typeface="+mn-lt"/>
+                <a:ea typeface="+mn-ea"/>
+                <a:cs typeface="+mn-cs"/>
+              </a:rPr>
+              <a:t>suggesting that these results have not </a:t>
+            </a:r>
+            <a:r>
+              <a:rPr lang="en-GB" sz="1200" kern="1200" dirty="0" err="1" smtClean="0">
+                <a:solidFill>
+                  <a:schemeClr val="tx1"/>
+                </a:solidFill>
+                <a:effectLst/>
+                <a:latin typeface="+mn-lt"/>
+                <a:ea typeface="+mn-ea"/>
+                <a:cs typeface="+mn-cs"/>
+              </a:rPr>
+              <a:t>occured</a:t>
+            </a:r>
+            <a:r>
+              <a:rPr lang="en-GB" sz="1200" kern="1200" dirty="0" smtClean="0">
+                <a:solidFill>
+                  <a:schemeClr val="tx1"/>
+                </a:solidFill>
+                <a:effectLst/>
+                <a:latin typeface="+mn-lt"/>
+                <a:ea typeface="+mn-ea"/>
+                <a:cs typeface="+mn-cs"/>
+              </a:rPr>
+              <a:t> randomly.</a:t>
+            </a:r>
+          </a:p>
+          <a:p>
+            <a:endParaRPr lang="en-GB" sz="1200" kern="1200" dirty="0" smtClean="0">
+              <a:solidFill>
+                <a:schemeClr val="tx1"/>
+              </a:solidFill>
+              <a:effectLst/>
+              <a:latin typeface="+mn-lt"/>
+              <a:ea typeface="+mn-ea"/>
+              <a:cs typeface="+mn-cs"/>
+            </a:endParaRPr>
+          </a:p>
+          <a:p>
+            <a:r>
+              <a:rPr lang="en-GB" sz="1200" kern="1200" dirty="0" smtClean="0">
+                <a:solidFill>
+                  <a:schemeClr val="tx1"/>
+                </a:solidFill>
+                <a:effectLst/>
+                <a:latin typeface="+mn-lt"/>
+                <a:ea typeface="+mn-ea"/>
+                <a:cs typeface="+mn-cs"/>
+              </a:rPr>
+              <a:t>A detached and typically larger house than the reference category (semi-detached) would use on average an extra 1953.2 kW per day in comparison, whereas a smaller terrace house would use 135.5 less kW per day. Detached houses typically have a greater number of rooms and lower levels of overcrowding, therefore more rooms need heating and lighting </a:t>
+            </a:r>
+          </a:p>
+          <a:p>
+            <a:endParaRPr lang="en-GB" sz="1200" kern="1200" dirty="0" smtClean="0">
+              <a:solidFill>
+                <a:schemeClr val="tx1"/>
+              </a:solidFill>
+              <a:effectLst/>
+              <a:latin typeface="+mn-lt"/>
+              <a:ea typeface="+mn-ea"/>
+              <a:cs typeface="+mn-cs"/>
+            </a:endParaRPr>
+          </a:p>
+          <a:p>
+            <a:r>
+              <a:rPr lang="en-GB" sz="1200" kern="1200" dirty="0" smtClean="0">
+                <a:solidFill>
+                  <a:schemeClr val="tx1"/>
+                </a:solidFill>
+                <a:effectLst/>
+                <a:latin typeface="+mn-lt"/>
+                <a:ea typeface="+mn-ea"/>
+                <a:cs typeface="+mn-cs"/>
+              </a:rPr>
+              <a:t>This model also suggests that as Townsend scores increase, energy usage decreases overall, which as a measure of deprivation is to be expected – the higher the level of deprivation the less likely people are to be able to afford to be wasteful and consume unnecessary energy. They are also likely to live in smaller houses with lower heating and lighting requirement, own and use fewer appliances and have smaller families.</a:t>
+            </a:r>
+            <a:r>
+              <a:rPr lang="en-GB" dirty="0" smtClean="0">
+                <a:effectLst/>
+              </a:rPr>
+              <a:t> </a:t>
+            </a:r>
+            <a:endParaRPr lang="en-GB" sz="1200" kern="1200" dirty="0" smtClean="0">
+              <a:solidFill>
+                <a:schemeClr val="tx1"/>
+              </a:solidFill>
+              <a:effectLst/>
+              <a:latin typeface="+mn-lt"/>
+              <a:ea typeface="+mn-ea"/>
+              <a:cs typeface="+mn-cs"/>
+            </a:endParaRPr>
+          </a:p>
+          <a:p>
+            <a:pPr marL="0" marR="0" indent="0" algn="l" defTabSz="914400" rtl="0" eaLnBrk="1" fontAlgn="auto" latinLnBrk="0" hangingPunct="1">
+              <a:lnSpc>
+                <a:spcPct val="100000"/>
+              </a:lnSpc>
+              <a:spcBef>
+                <a:spcPts val="0"/>
+              </a:spcBef>
+              <a:spcAft>
+                <a:spcPts val="0"/>
+              </a:spcAft>
+              <a:buClrTx/>
+              <a:buSzTx/>
+              <a:buFontTx/>
+              <a:buNone/>
+              <a:tabLst/>
+              <a:defRPr/>
+            </a:pPr>
+            <a:endParaRPr lang="en-GB" sz="1200" kern="1200" dirty="0" smtClean="0">
+              <a:solidFill>
+                <a:schemeClr val="tx1"/>
+              </a:solidFill>
+              <a:effectLst/>
+              <a:latin typeface="+mn-lt"/>
+              <a:ea typeface="+mn-ea"/>
+              <a:cs typeface="+mn-cs"/>
+            </a:endParaRPr>
+          </a:p>
+          <a:p>
+            <a:pPr marL="0" marR="0" indent="0" algn="l" defTabSz="914400" rtl="0" eaLnBrk="1" fontAlgn="auto" latinLnBrk="0" hangingPunct="1">
+              <a:lnSpc>
+                <a:spcPct val="100000"/>
+              </a:lnSpc>
+              <a:spcBef>
+                <a:spcPts val="0"/>
+              </a:spcBef>
+              <a:spcAft>
+                <a:spcPts val="0"/>
+              </a:spcAft>
+              <a:buClrTx/>
+              <a:buSzTx/>
+              <a:buFontTx/>
+              <a:buNone/>
+              <a:tabLst/>
+              <a:defRPr/>
+            </a:pPr>
+            <a:endParaRPr lang="en-GB" sz="1200" kern="1200" dirty="0" smtClean="0">
+              <a:solidFill>
+                <a:schemeClr val="tx1"/>
+              </a:solidFill>
+              <a:effectLst/>
+              <a:latin typeface="+mn-lt"/>
+              <a:ea typeface="+mn-ea"/>
+              <a:cs typeface="+mn-cs"/>
+            </a:endParaRPr>
           </a:p>
           <a:p>
             <a:endParaRPr lang="en-US" dirty="0"/>
@@ -2628,7 +3221,7 @@
           <a:p>
             <a:fld id="{E7AB8EAD-569F-184F-81B9-4A65734999C6}" type="datetimeFigureOut">
               <a:rPr lang="en-US" smtClean="0"/>
-              <a:t>6/20/18</a:t>
+              <a:t>6/23/18</a:t>
             </a:fld>
             <a:endParaRPr lang="en-US"/>
           </a:p>
@@ -2798,7 +3391,7 @@
           <a:p>
             <a:fld id="{E7AB8EAD-569F-184F-81B9-4A65734999C6}" type="datetimeFigureOut">
               <a:rPr lang="en-US" smtClean="0"/>
-              <a:t>6/20/18</a:t>
+              <a:t>6/23/18</a:t>
             </a:fld>
             <a:endParaRPr lang="en-US"/>
           </a:p>
@@ -2978,7 +3571,7 @@
           <a:p>
             <a:fld id="{E7AB8EAD-569F-184F-81B9-4A65734999C6}" type="datetimeFigureOut">
               <a:rPr lang="en-US" smtClean="0"/>
-              <a:t>6/20/18</a:t>
+              <a:t>6/23/18</a:t>
             </a:fld>
             <a:endParaRPr lang="en-US"/>
           </a:p>
@@ -3148,7 +3741,7 @@
           <a:p>
             <a:fld id="{E7AB8EAD-569F-184F-81B9-4A65734999C6}" type="datetimeFigureOut">
               <a:rPr lang="en-US" smtClean="0"/>
-              <a:t>6/20/18</a:t>
+              <a:t>6/23/18</a:t>
             </a:fld>
             <a:endParaRPr lang="en-US"/>
           </a:p>
@@ -3394,7 +3987,7 @@
           <a:p>
             <a:fld id="{E7AB8EAD-569F-184F-81B9-4A65734999C6}" type="datetimeFigureOut">
               <a:rPr lang="en-US" smtClean="0"/>
-              <a:t>6/20/18</a:t>
+              <a:t>6/23/18</a:t>
             </a:fld>
             <a:endParaRPr lang="en-US"/>
           </a:p>
@@ -3626,7 +4219,7 @@
           <a:p>
             <a:fld id="{E7AB8EAD-569F-184F-81B9-4A65734999C6}" type="datetimeFigureOut">
               <a:rPr lang="en-US" smtClean="0"/>
-              <a:t>6/20/18</a:t>
+              <a:t>6/23/18</a:t>
             </a:fld>
             <a:endParaRPr lang="en-US"/>
           </a:p>
@@ -3993,7 +4586,7 @@
           <a:p>
             <a:fld id="{E7AB8EAD-569F-184F-81B9-4A65734999C6}" type="datetimeFigureOut">
               <a:rPr lang="en-US" smtClean="0"/>
-              <a:t>6/20/18</a:t>
+              <a:t>6/23/18</a:t>
             </a:fld>
             <a:endParaRPr lang="en-US"/>
           </a:p>
@@ -4111,7 +4704,7 @@
           <a:p>
             <a:fld id="{E7AB8EAD-569F-184F-81B9-4A65734999C6}" type="datetimeFigureOut">
               <a:rPr lang="en-US" smtClean="0"/>
-              <a:t>6/20/18</a:t>
+              <a:t>6/23/18</a:t>
             </a:fld>
             <a:endParaRPr lang="en-US"/>
           </a:p>
@@ -4206,7 +4799,7 @@
           <a:p>
             <a:fld id="{E7AB8EAD-569F-184F-81B9-4A65734999C6}" type="datetimeFigureOut">
               <a:rPr lang="en-US" smtClean="0"/>
-              <a:t>6/20/18</a:t>
+              <a:t>6/23/18</a:t>
             </a:fld>
             <a:endParaRPr lang="en-US"/>
           </a:p>
@@ -4483,7 +5076,7 @@
           <a:p>
             <a:fld id="{E7AB8EAD-569F-184F-81B9-4A65734999C6}" type="datetimeFigureOut">
               <a:rPr lang="en-US" smtClean="0"/>
-              <a:t>6/20/18</a:t>
+              <a:t>6/23/18</a:t>
             </a:fld>
             <a:endParaRPr lang="en-US"/>
           </a:p>
@@ -4736,7 +5329,7 @@
           <a:p>
             <a:fld id="{E7AB8EAD-569F-184F-81B9-4A65734999C6}" type="datetimeFigureOut">
               <a:rPr lang="en-US" smtClean="0"/>
-              <a:t>6/20/18</a:t>
+              <a:t>6/23/18</a:t>
             </a:fld>
             <a:endParaRPr lang="en-US"/>
           </a:p>
@@ -4949,7 +5542,7 @@
           <a:p>
             <a:fld id="{E7AB8EAD-569F-184F-81B9-4A65734999C6}" type="datetimeFigureOut">
               <a:rPr lang="en-US" smtClean="0"/>
-              <a:t>6/20/18</a:t>
+              <a:t>6/23/18</a:t>
             </a:fld>
             <a:endParaRPr lang="en-US"/>
           </a:p>
